--- a/Daily Agendas/Day4.2_PythonControlBasics3.pptx
+++ b/Daily Agendas/Day4.2_PythonControlBasics3.pptx
@@ -106,7 +106,7 @@
   </p:defaultTextStyle>
   <p:extLst>
     <p:ext uri="{EFAFB233-063F-42B5-8137-9DF3F51BA10A}">
-      <p15:sldGuideLst xmlns:p15="http://schemas.microsoft.com/office/powerpoint/2012/main" xmlns="">
+      <p15:sldGuideLst xmlns:p15="http://schemas.microsoft.com/office/powerpoint/2012/main">
         <p15:guide id="1" orient="horz" pos="2160">
           <p15:clr>
             <a:srgbClr val="A4A3A4"/>
@@ -303,7 +303,7 @@
             <a:fld id="{1D8BD707-D9CF-40AE-B4C6-C98DA3205C09}" type="datetimeFigureOut">
               <a:rPr lang="en-US" smtClean="0"/>
               <a:pPr/>
-              <a:t>9/21/2019</a:t>
+              <a:t>9/24/2019</a:t>
             </a:fld>
             <a:endParaRPr lang="en-US"/>
           </a:p>
@@ -468,7 +468,7 @@
             <a:fld id="{1D8BD707-D9CF-40AE-B4C6-C98DA3205C09}" type="datetimeFigureOut">
               <a:rPr lang="en-US" smtClean="0"/>
               <a:pPr/>
-              <a:t>9/21/2019</a:t>
+              <a:t>9/24/2019</a:t>
             </a:fld>
             <a:endParaRPr lang="en-US"/>
           </a:p>
@@ -643,7 +643,7 @@
             <a:fld id="{1D8BD707-D9CF-40AE-B4C6-C98DA3205C09}" type="datetimeFigureOut">
               <a:rPr lang="en-US" smtClean="0"/>
               <a:pPr/>
-              <a:t>9/21/2019</a:t>
+              <a:t>9/24/2019</a:t>
             </a:fld>
             <a:endParaRPr lang="en-US"/>
           </a:p>
@@ -808,7 +808,7 @@
             <a:fld id="{1D8BD707-D9CF-40AE-B4C6-C98DA3205C09}" type="datetimeFigureOut">
               <a:rPr lang="en-US" smtClean="0"/>
               <a:pPr/>
-              <a:t>9/21/2019</a:t>
+              <a:t>9/24/2019</a:t>
             </a:fld>
             <a:endParaRPr lang="en-US"/>
           </a:p>
@@ -1050,7 +1050,7 @@
             <a:fld id="{1D8BD707-D9CF-40AE-B4C6-C98DA3205C09}" type="datetimeFigureOut">
               <a:rPr lang="en-US" smtClean="0"/>
               <a:pPr/>
-              <a:t>9/21/2019</a:t>
+              <a:t>9/24/2019</a:t>
             </a:fld>
             <a:endParaRPr lang="en-US"/>
           </a:p>
@@ -1332,7 +1332,7 @@
             <a:fld id="{1D8BD707-D9CF-40AE-B4C6-C98DA3205C09}" type="datetimeFigureOut">
               <a:rPr lang="en-US" smtClean="0"/>
               <a:pPr/>
-              <a:t>9/21/2019</a:t>
+              <a:t>9/24/2019</a:t>
             </a:fld>
             <a:endParaRPr lang="en-US"/>
           </a:p>
@@ -1748,7 +1748,7 @@
             <a:fld id="{1D8BD707-D9CF-40AE-B4C6-C98DA3205C09}" type="datetimeFigureOut">
               <a:rPr lang="en-US" smtClean="0"/>
               <a:pPr/>
-              <a:t>9/21/2019</a:t>
+              <a:t>9/24/2019</a:t>
             </a:fld>
             <a:endParaRPr lang="en-US"/>
           </a:p>
@@ -1862,7 +1862,7 @@
             <a:fld id="{1D8BD707-D9CF-40AE-B4C6-C98DA3205C09}" type="datetimeFigureOut">
               <a:rPr lang="en-US" smtClean="0"/>
               <a:pPr/>
-              <a:t>9/21/2019</a:t>
+              <a:t>9/24/2019</a:t>
             </a:fld>
             <a:endParaRPr lang="en-US"/>
           </a:p>
@@ -1954,7 +1954,7 @@
             <a:fld id="{1D8BD707-D9CF-40AE-B4C6-C98DA3205C09}" type="datetimeFigureOut">
               <a:rPr lang="en-US" smtClean="0"/>
               <a:pPr/>
-              <a:t>9/21/2019</a:t>
+              <a:t>9/24/2019</a:t>
             </a:fld>
             <a:endParaRPr lang="en-US"/>
           </a:p>
@@ -2226,7 +2226,7 @@
             <a:fld id="{1D8BD707-D9CF-40AE-B4C6-C98DA3205C09}" type="datetimeFigureOut">
               <a:rPr lang="en-US" smtClean="0"/>
               <a:pPr/>
-              <a:t>9/21/2019</a:t>
+              <a:t>9/24/2019</a:t>
             </a:fld>
             <a:endParaRPr lang="en-US"/>
           </a:p>
@@ -2475,7 +2475,7 @@
             <a:fld id="{1D8BD707-D9CF-40AE-B4C6-C98DA3205C09}" type="datetimeFigureOut">
               <a:rPr lang="en-US" smtClean="0"/>
               <a:pPr/>
-              <a:t>9/21/2019</a:t>
+              <a:t>9/24/2019</a:t>
             </a:fld>
             <a:endParaRPr lang="en-US"/>
           </a:p>
@@ -2683,7 +2683,7 @@
             <a:fld id="{1D8BD707-D9CF-40AE-B4C6-C98DA3205C09}" type="datetimeFigureOut">
               <a:rPr lang="en-US" smtClean="0"/>
               <a:pPr/>
-              <a:t>9/21/2019</a:t>
+              <a:t>9/24/2019</a:t>
             </a:fld>
             <a:endParaRPr lang="en-US"/>
           </a:p>
@@ -3071,19 +3071,7 @@
           <a:p>
             <a:r>
               <a:rPr lang="en-US" dirty="0" smtClean="0"/>
-              <a:t>Python Control </a:t>
-            </a:r>
-            <a:r>
-              <a:rPr lang="en-US" dirty="0" smtClean="0"/>
-              <a:t>Basics 3 </a:t>
-            </a:r>
-            <a:r>
-              <a:rPr lang="en-US" dirty="0" smtClean="0"/>
-              <a:t>– Sep </a:t>
-            </a:r>
-            <a:r>
-              <a:rPr lang="en-US" dirty="0" smtClean="0"/>
-              <a:t>24</a:t>
+              <a:t>Python Control Basics 3 – Sep 24</a:t>
             </a:r>
             <a:endParaRPr lang="en-US" dirty="0"/>
           </a:p>
@@ -3102,7 +3090,7 @@
         <p:spPr/>
         <p:txBody>
           <a:bodyPr>
-            <a:normAutofit/>
+            <a:normAutofit lnSpcReduction="10000"/>
           </a:bodyPr>
           <a:lstStyle/>
           <a:p>
@@ -3145,7 +3133,6 @@
               <a:rPr lang="en-CA" dirty="0" smtClean="0"/>
               <a:t>Extended Program – With looping</a:t>
             </a:r>
-            <a:endParaRPr lang="en-CA" dirty="0" smtClean="0"/>
           </a:p>
           <a:p>
             <a:pPr lvl="1">
@@ -3166,12 +3153,23 @@
               <a:t>Tomorrow: </a:t>
             </a:r>
             <a:r>
-              <a:rPr lang="en-US" sz="2400" dirty="0" err="1" smtClean="0"/>
-              <a:t>t.b.d</a:t>
-            </a:r>
-            <a:r>
               <a:rPr lang="en-US" sz="2400" dirty="0" smtClean="0"/>
-              <a:t>.</a:t>
+              <a:t>Lesson </a:t>
+            </a:r>
+            <a:r>
+              <a:rPr lang="en-US" sz="2400" dirty="0" smtClean="0"/>
+              <a:t>A.2 – Inside A PC</a:t>
+            </a:r>
+          </a:p>
+          <a:p>
+            <a:pPr lvl="1"/>
+            <a:r>
+              <a:rPr lang="en-CA" sz="2400" dirty="0" smtClean="0"/>
+              <a:t>Monday, Sep. 30</a:t>
+            </a:r>
+            <a:r>
+              <a:rPr lang="en-CA" sz="2400" smtClean="0"/>
+              <a:t>: Programming Quiz #1</a:t>
             </a:r>
             <a:endParaRPr lang="en-US" sz="2400" dirty="0"/>
           </a:p>
